--- a/Presentations/DCS World - MOOSE - Missile Trainer.pptx
+++ b/Presentations/DCS World - MOOSE - Missile Trainer.pptx
@@ -9,6 +9,7 @@
     <p:sldId id="257" r:id="rId3"/>
     <p:sldId id="259" r:id="rId4"/>
     <p:sldId id="260" r:id="rId5"/>
+    <p:sldId id="261" r:id="rId6"/>
   </p:sldIdLst>
   <p:sldSz cx="12192000" cy="6858000"/>
   <p:notesSz cx="6858000" cy="9144000"/>
@@ -314,7 +315,7 @@
           <a:p>
             <a:fld id="{96DFF08F-DC6B-4601-B491-B0F83F6DD2DA}" type="datetimeFigureOut">
               <a:rPr lang="en-US" dirty="0"/>
-              <a:t>5/13/2016</a:t>
+              <a:t>5/14/2016</a:t>
             </a:fld>
             <a:endParaRPr lang="en-US" dirty="0"/>
           </a:p>
@@ -479,7 +480,7 @@
           <a:p>
             <a:fld id="{96DFF08F-DC6B-4601-B491-B0F83F6DD2DA}" type="datetimeFigureOut">
               <a:rPr lang="en-US" dirty="0"/>
-              <a:t>5/13/2016</a:t>
+              <a:t>5/14/2016</a:t>
             </a:fld>
             <a:endParaRPr lang="en-US" dirty="0"/>
           </a:p>
@@ -697,7 +698,7 @@
           <a:p>
             <a:fld id="{96DFF08F-DC6B-4601-B491-B0F83F6DD2DA}" type="datetimeFigureOut">
               <a:rPr lang="en-US" dirty="0"/>
-              <a:t>5/13/2016</a:t>
+              <a:t>5/14/2016</a:t>
             </a:fld>
             <a:endParaRPr lang="en-US" dirty="0"/>
           </a:p>
@@ -910,7 +911,7 @@
           <a:p>
             <a:fld id="{96DFF08F-DC6B-4601-B491-B0F83F6DD2DA}" type="datetimeFigureOut">
               <a:rPr lang="en-US" dirty="0"/>
-              <a:t>5/13/2016</a:t>
+              <a:t>5/14/2016</a:t>
             </a:fld>
             <a:endParaRPr lang="en-US" dirty="0"/>
           </a:p>
@@ -1212,7 +1213,7 @@
             <a:fld id="{96DFF08F-DC6B-4601-B491-B0F83F6DD2DA}" type="datetimeFigureOut">
               <a:rPr lang="en-US" dirty="0"/>
               <a:pPr/>
-              <a:t>5/13/2016</a:t>
+              <a:t>5/14/2016</a:t>
             </a:fld>
             <a:endParaRPr lang="en-US" dirty="0"/>
           </a:p>
@@ -1512,7 +1513,7 @@
           <a:p>
             <a:fld id="{96DFF08F-DC6B-4601-B491-B0F83F6DD2DA}" type="datetimeFigureOut">
               <a:rPr lang="en-US" dirty="0"/>
-              <a:t>5/13/2016</a:t>
+              <a:t>5/14/2016</a:t>
             </a:fld>
             <a:endParaRPr lang="en-US" dirty="0"/>
           </a:p>
@@ -1929,7 +1930,7 @@
           <a:p>
             <a:fld id="{96DFF08F-DC6B-4601-B491-B0F83F6DD2DA}" type="datetimeFigureOut">
               <a:rPr lang="en-US" dirty="0"/>
-              <a:t>5/13/2016</a:t>
+              <a:t>5/14/2016</a:t>
             </a:fld>
             <a:endParaRPr lang="en-US" dirty="0"/>
           </a:p>
@@ -2042,7 +2043,7 @@
           <a:p>
             <a:fld id="{96DFF08F-DC6B-4601-B491-B0F83F6DD2DA}" type="datetimeFigureOut">
               <a:rPr lang="en-US" dirty="0"/>
-              <a:t>5/13/2016</a:t>
+              <a:t>5/14/2016</a:t>
             </a:fld>
             <a:endParaRPr lang="en-US" dirty="0"/>
           </a:p>
@@ -2132,7 +2133,7 @@
           <a:p>
             <a:fld id="{96DFF08F-DC6B-4601-B491-B0F83F6DD2DA}" type="datetimeFigureOut">
               <a:rPr lang="en-US" dirty="0"/>
-              <a:t>5/13/2016</a:t>
+              <a:t>5/14/2016</a:t>
             </a:fld>
             <a:endParaRPr lang="en-US" dirty="0"/>
           </a:p>
@@ -2400,7 +2401,7 @@
           <a:p>
             <a:fld id="{96DFF08F-DC6B-4601-B491-B0F83F6DD2DA}" type="datetimeFigureOut">
               <a:rPr lang="en-US" dirty="0"/>
-              <a:t>5/13/2016</a:t>
+              <a:t>5/14/2016</a:t>
             </a:fld>
             <a:endParaRPr lang="en-US" dirty="0"/>
           </a:p>
@@ -2660,7 +2661,7 @@
           <a:p>
             <a:fld id="{96DFF08F-DC6B-4601-B491-B0F83F6DD2DA}" type="datetimeFigureOut">
               <a:rPr lang="en-US" dirty="0"/>
-              <a:t>5/13/2016</a:t>
+              <a:t>5/14/2016</a:t>
             </a:fld>
             <a:endParaRPr lang="en-US" dirty="0"/>
           </a:p>
@@ -2905,7 +2906,7 @@
             <a:fld id="{96DFF08F-DC6B-4601-B491-B0F83F6DD2DA}" type="datetimeFigureOut">
               <a:rPr lang="en-US" dirty="0"/>
               <a:pPr/>
-              <a:t>5/13/2016</a:t>
+              <a:t>5/14/2016</a:t>
             </a:fld>
             <a:endParaRPr lang="en-US" dirty="0"/>
           </a:p>
@@ -3514,7 +3515,7 @@
             </a:pPr>
             <a:r>
               <a:rPr lang="en-US" dirty="0"/>
-              <a:t>Using the DCS world messaging system, be alerted of any missiles fired, and when a missile would hit your aircraft, destroy the missile within a certain range, to avoid damage to your aircraft.</a:t>
+              <a:t>Using the DCS world messaging system, be alerted of any missiles fired, and when a missile would hit your aircraft, the class will destroy the missile within a certain range, to avoid damage to your aircraft.</a:t>
             </a:r>
           </a:p>
           <a:p>
@@ -6146,6 +6147,127 @@
     <p:extLst>
       <p:ext uri="{BB962C8B-B14F-4D97-AF65-F5344CB8AC3E}">
         <p14:creationId xmlns:p14="http://schemas.microsoft.com/office/powerpoint/2010/main" val="1796480305"/>
+      </p:ext>
+    </p:extLst>
+  </p:cSld>
+  <p:clrMapOvr>
+    <a:masterClrMapping/>
+  </p:clrMapOvr>
+</p:sld>
+</file>
+
+<file path=ppt/slides/slide5.xml><?xml version="1.0" encoding="utf-8"?>
+<p:sld xmlns:a="http://schemas.openxmlformats.org/drawingml/2006/main" xmlns:r="http://schemas.openxmlformats.org/officeDocument/2006/relationships" xmlns:p="http://schemas.openxmlformats.org/presentationml/2006/main">
+  <p:cSld>
+    <p:spTree>
+      <p:nvGrpSpPr>
+        <p:cNvPr id="1" name=""/>
+        <p:cNvGrpSpPr/>
+        <p:nvPr/>
+      </p:nvGrpSpPr>
+      <p:grpSpPr>
+        <a:xfrm>
+          <a:off x="0" y="0"/>
+          <a:ext cx="0" cy="0"/>
+          <a:chOff x="0" y="0"/>
+          <a:chExt cx="0" cy="0"/>
+        </a:xfrm>
+      </p:grpSpPr>
+      <p:sp>
+        <p:nvSpPr>
+          <p:cNvPr id="2" name="Titel 1"/>
+          <p:cNvSpPr>
+            <a:spLocks noGrp="1"/>
+          </p:cNvSpPr>
+          <p:nvPr>
+            <p:ph type="title"/>
+          </p:nvPr>
+        </p:nvSpPr>
+        <p:spPr/>
+        <p:txBody>
+          <a:bodyPr/>
+          <a:lstStyle/>
+          <a:p>
+            <a:r>
+              <a:rPr lang="nl-BE" dirty="0" err="1"/>
+              <a:t>APIs</a:t>
+            </a:r>
+            <a:endParaRPr lang="en-US" dirty="0"/>
+          </a:p>
+        </p:txBody>
+      </p:sp>
+      <p:sp>
+        <p:nvSpPr>
+          <p:cNvPr id="3" name="Tijdelijke aanduiding voor inhoud 2"/>
+          <p:cNvSpPr>
+            <a:spLocks noGrp="1"/>
+          </p:cNvSpPr>
+          <p:nvPr>
+            <p:ph idx="1"/>
+          </p:nvPr>
+        </p:nvSpPr>
+        <p:spPr/>
+        <p:txBody>
+          <a:bodyPr/>
+          <a:lstStyle/>
+          <a:p>
+            <a:r>
+              <a:rPr lang="nl-BE" dirty="0"/>
+              <a:t>The </a:t>
+            </a:r>
+            <a:r>
+              <a:rPr lang="nl-BE" dirty="0" err="1"/>
+              <a:t>following</a:t>
+            </a:r>
+            <a:r>
+              <a:rPr lang="nl-BE" dirty="0"/>
+              <a:t> link </a:t>
+            </a:r>
+            <a:r>
+              <a:rPr lang="nl-BE" dirty="0" err="1"/>
+              <a:t>documents</a:t>
+            </a:r>
+            <a:r>
+              <a:rPr lang="nl-BE" dirty="0"/>
+              <a:t> </a:t>
+            </a:r>
+            <a:r>
+              <a:rPr lang="nl-BE" dirty="0" err="1"/>
+              <a:t>the</a:t>
+            </a:r>
+            <a:r>
+              <a:rPr lang="nl-BE" dirty="0"/>
+              <a:t> </a:t>
+            </a:r>
+            <a:r>
+              <a:rPr lang="nl-BE" dirty="0" err="1"/>
+              <a:t>APIs</a:t>
+            </a:r>
+            <a:r>
+              <a:rPr lang="nl-BE" dirty="0"/>
+              <a:t> of </a:t>
+            </a:r>
+            <a:r>
+              <a:rPr lang="nl-BE" dirty="0" err="1"/>
+              <a:t>the</a:t>
+            </a:r>
+            <a:r>
+              <a:rPr lang="nl-BE" dirty="0"/>
+              <a:t> MISSILETRAINER CLASS:</a:t>
+            </a:r>
+          </a:p>
+          <a:p>
+            <a:endParaRPr lang="nl-BE" dirty="0"/>
+          </a:p>
+          <a:p>
+            <a:endParaRPr lang="en-US" dirty="0"/>
+          </a:p>
+        </p:txBody>
+      </p:sp>
+    </p:spTree>
+    <p:extLst>
+      <p:ext uri="{BB962C8B-B14F-4D97-AF65-F5344CB8AC3E}">
+        <p14:creationId xmlns:p14="http://schemas.microsoft.com/office/powerpoint/2010/main" val="1957527928"/>
       </p:ext>
     </p:extLst>
   </p:cSld>
